--- a/course_material/slides/009_comments_enum.pptx
+++ b/course_material/slides/009_comments_enum.pptx
@@ -5,16 +5,17 @@
     <p:sldMasterId id="2147483660" r:id="rId1"/>
   </p:sldMasterIdLst>
   <p:sldIdLst>
-    <p:sldId id="256" r:id="rId2"/>
-    <p:sldId id="257" r:id="rId3"/>
-    <p:sldId id="258" r:id="rId4"/>
-    <p:sldId id="259" r:id="rId5"/>
-    <p:sldId id="260" r:id="rId6"/>
-    <p:sldId id="261" r:id="rId7"/>
-    <p:sldId id="262" r:id="rId8"/>
-    <p:sldId id="263" r:id="rId9"/>
-    <p:sldId id="264" r:id="rId10"/>
-    <p:sldId id="265" r:id="rId11"/>
+    <p:sldId id="266" r:id="rId2"/>
+    <p:sldId id="256" r:id="rId3"/>
+    <p:sldId id="257" r:id="rId4"/>
+    <p:sldId id="258" r:id="rId5"/>
+    <p:sldId id="259" r:id="rId6"/>
+    <p:sldId id="260" r:id="rId7"/>
+    <p:sldId id="261" r:id="rId8"/>
+    <p:sldId id="262" r:id="rId9"/>
+    <p:sldId id="263" r:id="rId10"/>
+    <p:sldId id="264" r:id="rId11"/>
+    <p:sldId id="265" r:id="rId12"/>
   </p:sldIdLst>
   <p:sldSz cx="12192000" cy="6858000"/>
   <p:notesSz cx="6858000" cy="9144000"/>
@@ -3634,7 +3635,7 @@
           <p:cNvPr id="2" name="Title 1">
             <a:extLst>
               <a:ext uri="{FF2B5EF4-FFF2-40B4-BE49-F238E27FC236}">
-                <a16:creationId xmlns:a16="http://schemas.microsoft.com/office/drawing/2014/main" id="{AC88E40B-C899-98F7-0DFF-4E37B025F3F2}"/>
+                <a16:creationId xmlns:a16="http://schemas.microsoft.com/office/drawing/2014/main" id="{E20ECE36-7F4D-08C3-1551-5455C7030720}"/>
               </a:ext>
             </a:extLst>
           </p:cNvPr>
@@ -3642,7 +3643,7 @@
             <a:spLocks noGrp="1"/>
           </p:cNvSpPr>
           <p:nvPr>
-            <p:ph type="ctrTitle"/>
+            <p:ph type="title"/>
           </p:nvPr>
         </p:nvSpPr>
         <p:spPr/>
@@ -3652,17 +3653,17 @@
           <a:p>
             <a:r>
               <a:rPr lang="en-US" dirty="0"/>
-              <a:t>Comments and More Loops</a:t>
-            </a:r>
-          </a:p>
-        </p:txBody>
-      </p:sp>
-      <p:sp>
-        <p:nvSpPr>
-          <p:cNvPr id="3" name="Subtitle 2">
+              <a:t>Housekeeping</a:t>
+            </a:r>
+          </a:p>
+        </p:txBody>
+      </p:sp>
+      <p:sp>
+        <p:nvSpPr>
+          <p:cNvPr id="3" name="Content Placeholder 2">
             <a:extLst>
               <a:ext uri="{FF2B5EF4-FFF2-40B4-BE49-F238E27FC236}">
-                <a16:creationId xmlns:a16="http://schemas.microsoft.com/office/drawing/2014/main" id="{80C0DD14-BD97-0CE9-088E-6AC7ADE93762}"/>
+                <a16:creationId xmlns:a16="http://schemas.microsoft.com/office/drawing/2014/main" id="{4F3D74B6-71EA-D194-D106-E4593CAAFC07}"/>
               </a:ext>
             </a:extLst>
           </p:cNvPr>
@@ -3670,22 +3671,100 @@
             <a:spLocks noGrp="1"/>
           </p:cNvSpPr>
           <p:nvPr>
-            <p:ph type="subTitle" idx="1"/>
-          </p:nvPr>
-        </p:nvSpPr>
-        <p:spPr/>
-        <p:txBody>
-          <a:bodyPr/>
-          <a:lstStyle/>
-          <a:p>
-            <a:endParaRPr lang="en-US"/>
+            <p:ph idx="1"/>
+          </p:nvPr>
+        </p:nvSpPr>
+        <p:spPr>
+          <a:xfrm>
+            <a:off x="934279" y="2015732"/>
+            <a:ext cx="10495722" cy="3888111"/>
+          </a:xfrm>
+        </p:spPr>
+        <p:txBody>
+          <a:bodyPr>
+            <a:normAutofit fontScale="92500" lnSpcReduction="10000"/>
+          </a:bodyPr>
+          <a:lstStyle/>
+          <a:p>
+            <a:r>
+              <a:rPr lang="en-US" dirty="0"/>
+              <a:t>Lab 1 Q&amp;A</a:t>
+            </a:r>
+          </a:p>
+          <a:p>
+            <a:pPr lvl="1"/>
+            <a:r>
+              <a:rPr lang="en-US" dirty="0"/>
+              <a:t>Solution in </a:t>
+            </a:r>
+            <a:r>
+              <a:rPr lang="en-US" dirty="0" err="1"/>
+              <a:t>course_material</a:t>
+            </a:r>
+            <a:r>
+              <a:rPr lang="en-US" dirty="0"/>
+              <a:t> folder of repository. </a:t>
+            </a:r>
+          </a:p>
+          <a:p>
+            <a:r>
+              <a:rPr lang="en-US" dirty="0"/>
+              <a:t>Exam info:</a:t>
+            </a:r>
+          </a:p>
+          <a:p>
+            <a:pPr lvl="1"/>
+            <a:r>
+              <a:rPr lang="en-US" dirty="0"/>
+              <a:t>Short answer/mc. Basics of programming – concepts, ”what does this code do”?, “parts” of python code. </a:t>
+            </a:r>
+          </a:p>
+          <a:p>
+            <a:pPr lvl="1"/>
+            <a:r>
+              <a:rPr lang="en-US" dirty="0"/>
+              <a:t>It’s pretty simple overall. </a:t>
+            </a:r>
+          </a:p>
+          <a:p>
+            <a:r>
+              <a:rPr lang="en-US" dirty="0"/>
+              <a:t>Easy day!! Low theory!!! With a couple of code exercises!!!!</a:t>
+            </a:r>
+          </a:p>
+          <a:p>
+            <a:pPr lvl="1"/>
+            <a:r>
+              <a:rPr lang="en-US" dirty="0"/>
+              <a:t>Commenting and docstrings. </a:t>
+            </a:r>
+          </a:p>
+          <a:p>
+            <a:pPr lvl="1"/>
+            <a:r>
+              <a:rPr lang="en-US" dirty="0"/>
+              <a:t>Looping redux, with enumeration. Inc. series. </a:t>
+            </a:r>
+          </a:p>
+          <a:p>
+            <a:r>
+              <a:rPr lang="en-US" dirty="0"/>
+              <a:t>Workbooks 010/011. </a:t>
+            </a:r>
+          </a:p>
+          <a:p>
+            <a:pPr lvl="1"/>
+            <a:r>
+              <a:rPr lang="en-US" dirty="0"/>
+              <a:t>Not directly correlated to a chapter in book, more general info. </a:t>
+            </a:r>
           </a:p>
         </p:txBody>
       </p:sp>
     </p:spTree>
     <p:extLst>
       <p:ext uri="{BB962C8B-B14F-4D97-AF65-F5344CB8AC3E}">
-        <p14:creationId xmlns:p14="http://schemas.microsoft.com/office/powerpoint/2010/main" val="1383000498"/>
+        <p14:creationId xmlns:p14="http://schemas.microsoft.com/office/powerpoint/2010/main" val="3286835008"/>
       </p:ext>
     </p:extLst>
   </p:cSld>
@@ -3696,6 +3775,157 @@
 </file>
 
 <file path=ppt/slides/slide10.xml><?xml version="1.0" encoding="utf-8"?>
+<p:sld xmlns:a="http://schemas.openxmlformats.org/drawingml/2006/main" xmlns:r="http://schemas.openxmlformats.org/officeDocument/2006/relationships" xmlns:p="http://schemas.openxmlformats.org/presentationml/2006/main">
+  <p:cSld>
+    <p:spTree>
+      <p:nvGrpSpPr>
+        <p:cNvPr id="1" name=""/>
+        <p:cNvGrpSpPr/>
+        <p:nvPr/>
+      </p:nvGrpSpPr>
+      <p:grpSpPr>
+        <a:xfrm>
+          <a:off x="0" y="0"/>
+          <a:ext cx="0" cy="0"/>
+          <a:chOff x="0" y="0"/>
+          <a:chExt cx="0" cy="0"/>
+        </a:xfrm>
+      </p:grpSpPr>
+      <p:sp>
+        <p:nvSpPr>
+          <p:cNvPr id="2" name="Title 1">
+            <a:extLst>
+              <a:ext uri="{FF2B5EF4-FFF2-40B4-BE49-F238E27FC236}">
+                <a16:creationId xmlns:a16="http://schemas.microsoft.com/office/drawing/2014/main" id="{AF1EE32F-D369-384B-39ED-0A15BD89C48D}"/>
+              </a:ext>
+            </a:extLst>
+          </p:cNvPr>
+          <p:cNvSpPr>
+            <a:spLocks noGrp="1"/>
+          </p:cNvSpPr>
+          <p:nvPr>
+            <p:ph type="title"/>
+          </p:nvPr>
+        </p:nvSpPr>
+        <p:spPr/>
+        <p:txBody>
+          <a:bodyPr/>
+          <a:lstStyle/>
+          <a:p>
+            <a:r>
+              <a:rPr lang="en-US" dirty="0"/>
+              <a:t>Enumeration</a:t>
+            </a:r>
+          </a:p>
+        </p:txBody>
+      </p:sp>
+      <p:sp>
+        <p:nvSpPr>
+          <p:cNvPr id="3" name="Content Placeholder 2">
+            <a:extLst>
+              <a:ext uri="{FF2B5EF4-FFF2-40B4-BE49-F238E27FC236}">
+                <a16:creationId xmlns:a16="http://schemas.microsoft.com/office/drawing/2014/main" id="{2E66AF4B-5D66-8855-367B-4389F4AF47BB}"/>
+              </a:ext>
+            </a:extLst>
+          </p:cNvPr>
+          <p:cNvSpPr>
+            <a:spLocks noGrp="1"/>
+          </p:cNvSpPr>
+          <p:nvPr>
+            <p:ph idx="1"/>
+          </p:nvPr>
+        </p:nvSpPr>
+        <p:spPr>
+          <a:xfrm>
+            <a:off x="1451579" y="2015732"/>
+            <a:ext cx="9603275" cy="4037749"/>
+          </a:xfrm>
+        </p:spPr>
+        <p:txBody>
+          <a:bodyPr/>
+          <a:lstStyle/>
+          <a:p>
+            <a:r>
+              <a:rPr lang="en-US" dirty="0"/>
+              <a:t>Enumeration is another way to loop through stuff. </a:t>
+            </a:r>
+          </a:p>
+          <a:p>
+            <a:r>
+              <a:rPr lang="en-US" dirty="0"/>
+              <a:t>Enumeration is a function that takes in an </a:t>
+            </a:r>
+            <a:r>
+              <a:rPr lang="en-US" dirty="0" err="1"/>
+              <a:t>iterable</a:t>
+            </a:r>
+            <a:r>
+              <a:rPr lang="en-US" dirty="0"/>
+              <a:t> data structure and returns a tuple:</a:t>
+            </a:r>
+          </a:p>
+          <a:p>
+            <a:pPr lvl="1"/>
+            <a:r>
+              <a:rPr lang="en-US" dirty="0"/>
+              <a:t>Index. </a:t>
+            </a:r>
+          </a:p>
+          <a:p>
+            <a:pPr lvl="1"/>
+            <a:r>
+              <a:rPr lang="en-US" dirty="0"/>
+              <a:t>Item. </a:t>
+            </a:r>
+          </a:p>
+          <a:p>
+            <a:r>
+              <a:rPr lang="en-US" dirty="0"/>
+              <a:t>Allows us to loop through things like a for loop and keep the index. </a:t>
+            </a:r>
+          </a:p>
+          <a:p>
+            <a:r>
+              <a:rPr lang="en-US" dirty="0"/>
+              <a:t>Looping through any data structure is the same, as long as we can enumerate it. </a:t>
+            </a:r>
+          </a:p>
+          <a:p>
+            <a:pPr lvl="1"/>
+            <a:r>
+              <a:rPr lang="en-US" dirty="0"/>
+              <a:t>Helps interchangeability. </a:t>
+            </a:r>
+          </a:p>
+          <a:p>
+            <a:r>
+              <a:rPr lang="en-US" dirty="0"/>
+              <a:t>Used in data science with larger datasets. </a:t>
+            </a:r>
+          </a:p>
+          <a:p>
+            <a:pPr lvl="1"/>
+            <a:r>
+              <a:rPr lang="en-US" dirty="0"/>
+              <a:t>E.g. data that is images in folders, we don’t have a table but need to keep index. </a:t>
+            </a:r>
+          </a:p>
+        </p:txBody>
+      </p:sp>
+    </p:spTree>
+    <p:extLst>
+      <p:ext uri="{BB962C8B-B14F-4D97-AF65-F5344CB8AC3E}">
+        <p14:creationId xmlns:p14="http://schemas.microsoft.com/office/powerpoint/2010/main" val="1256764443"/>
+      </p:ext>
+    </p:extLst>
+  </p:cSld>
+  <p:clrMapOvr>
+    <a:masterClrMapping/>
+  </p:clrMapOvr>
+</p:sld>
+</file>
+
+<file path=ppt/slides/slide11.xml><?xml version="1.0" encoding="utf-8"?>
 <p:sld xmlns:a="http://schemas.openxmlformats.org/drawingml/2006/main" xmlns:r="http://schemas.openxmlformats.org/officeDocument/2006/relationships" xmlns:p="http://schemas.openxmlformats.org/presentationml/2006/main">
   <p:cSld>
     <p:bg>
@@ -3900,6 +4130,89 @@
           <p:cNvPr id="2" name="Title 1">
             <a:extLst>
               <a:ext uri="{FF2B5EF4-FFF2-40B4-BE49-F238E27FC236}">
+                <a16:creationId xmlns:a16="http://schemas.microsoft.com/office/drawing/2014/main" id="{AC88E40B-C899-98F7-0DFF-4E37B025F3F2}"/>
+              </a:ext>
+            </a:extLst>
+          </p:cNvPr>
+          <p:cNvSpPr>
+            <a:spLocks noGrp="1"/>
+          </p:cNvSpPr>
+          <p:nvPr>
+            <p:ph type="ctrTitle"/>
+          </p:nvPr>
+        </p:nvSpPr>
+        <p:spPr/>
+        <p:txBody>
+          <a:bodyPr/>
+          <a:lstStyle/>
+          <a:p>
+            <a:r>
+              <a:rPr lang="en-US" dirty="0"/>
+              <a:t>Comments and More Loops</a:t>
+            </a:r>
+          </a:p>
+        </p:txBody>
+      </p:sp>
+      <p:sp>
+        <p:nvSpPr>
+          <p:cNvPr id="3" name="Subtitle 2">
+            <a:extLst>
+              <a:ext uri="{FF2B5EF4-FFF2-40B4-BE49-F238E27FC236}">
+                <a16:creationId xmlns:a16="http://schemas.microsoft.com/office/drawing/2014/main" id="{80C0DD14-BD97-0CE9-088E-6AC7ADE93762}"/>
+              </a:ext>
+            </a:extLst>
+          </p:cNvPr>
+          <p:cNvSpPr>
+            <a:spLocks noGrp="1"/>
+          </p:cNvSpPr>
+          <p:nvPr>
+            <p:ph type="subTitle" idx="1"/>
+          </p:nvPr>
+        </p:nvSpPr>
+        <p:spPr/>
+        <p:txBody>
+          <a:bodyPr/>
+          <a:lstStyle/>
+          <a:p>
+            <a:endParaRPr lang="en-US"/>
+          </a:p>
+        </p:txBody>
+      </p:sp>
+    </p:spTree>
+    <p:extLst>
+      <p:ext uri="{BB962C8B-B14F-4D97-AF65-F5344CB8AC3E}">
+        <p14:creationId xmlns:p14="http://schemas.microsoft.com/office/powerpoint/2010/main" val="1383000498"/>
+      </p:ext>
+    </p:extLst>
+  </p:cSld>
+  <p:clrMapOvr>
+    <a:masterClrMapping/>
+  </p:clrMapOvr>
+</p:sld>
+</file>
+
+<file path=ppt/slides/slide3.xml><?xml version="1.0" encoding="utf-8"?>
+<p:sld xmlns:a="http://schemas.openxmlformats.org/drawingml/2006/main" xmlns:r="http://schemas.openxmlformats.org/officeDocument/2006/relationships" xmlns:p="http://schemas.openxmlformats.org/presentationml/2006/main">
+  <p:cSld>
+    <p:spTree>
+      <p:nvGrpSpPr>
+        <p:cNvPr id="1" name=""/>
+        <p:cNvGrpSpPr/>
+        <p:nvPr/>
+      </p:nvGrpSpPr>
+      <p:grpSpPr>
+        <a:xfrm>
+          <a:off x="0" y="0"/>
+          <a:ext cx="0" cy="0"/>
+          <a:chOff x="0" y="0"/>
+          <a:chExt cx="0" cy="0"/>
+        </a:xfrm>
+      </p:grpSpPr>
+      <p:sp>
+        <p:nvSpPr>
+          <p:cNvPr id="2" name="Title 1">
+            <a:extLst>
+              <a:ext uri="{FF2B5EF4-FFF2-40B4-BE49-F238E27FC236}">
                 <a16:creationId xmlns:a16="http://schemas.microsoft.com/office/drawing/2014/main" id="{A22773FD-BE37-87A4-CE58-884BBD455445}"/>
               </a:ext>
             </a:extLst>
@@ -4042,7 +4355,7 @@
 </p:sld>
 </file>
 
-<file path=ppt/slides/slide3.xml><?xml version="1.0" encoding="utf-8"?>
+<file path=ppt/slides/slide4.xml><?xml version="1.0" encoding="utf-8"?>
 <p:sld xmlns:a="http://schemas.openxmlformats.org/drawingml/2006/main" xmlns:r="http://schemas.openxmlformats.org/officeDocument/2006/relationships" xmlns:p="http://schemas.openxmlformats.org/presentationml/2006/main">
   <p:cSld>
     <p:bg>
@@ -4305,7 +4618,7 @@
 </p:sld>
 </file>
 
-<file path=ppt/slides/slide4.xml><?xml version="1.0" encoding="utf-8"?>
+<file path=ppt/slides/slide5.xml><?xml version="1.0" encoding="utf-8"?>
 <p:sld xmlns:a="http://schemas.openxmlformats.org/drawingml/2006/main" xmlns:r="http://schemas.openxmlformats.org/officeDocument/2006/relationships" xmlns:p="http://schemas.openxmlformats.org/presentationml/2006/main">
   <p:cSld>
     <p:spTree>
@@ -4452,472 +4765,6 @@
     <p:extLst>
       <p:ext uri="{BB962C8B-B14F-4D97-AF65-F5344CB8AC3E}">
         <p14:creationId xmlns:p14="http://schemas.microsoft.com/office/powerpoint/2010/main" val="1777165644"/>
-      </p:ext>
-    </p:extLst>
-  </p:cSld>
-  <p:clrMapOvr>
-    <a:masterClrMapping/>
-  </p:clrMapOvr>
-</p:sld>
-</file>
-
-<file path=ppt/slides/slide5.xml><?xml version="1.0" encoding="utf-8"?>
-<p:sld xmlns:a="http://schemas.openxmlformats.org/drawingml/2006/main" xmlns:r="http://schemas.openxmlformats.org/officeDocument/2006/relationships" xmlns:p="http://schemas.openxmlformats.org/presentationml/2006/main">
-  <p:cSld>
-    <p:bg>
-      <p:bgPr>
-        <a:gradFill rotWithShape="1">
-          <a:gsLst>
-            <a:gs pos="0">
-              <a:schemeClr val="bg2">
-                <a:tint val="94000"/>
-                <a:satMod val="80000"/>
-                <a:lumMod val="106000"/>
-              </a:schemeClr>
-            </a:gs>
-            <a:gs pos="100000">
-              <a:schemeClr val="bg2">
-                <a:shade val="80000"/>
-              </a:schemeClr>
-            </a:gs>
-          </a:gsLst>
-          <a:path path="circle">
-            <a:fillToRect l="43000" r="43000" b="100000"/>
-          </a:path>
-        </a:gradFill>
-        <a:effectLst/>
-      </p:bgPr>
-    </p:bg>
-    <p:spTree>
-      <p:nvGrpSpPr>
-        <p:cNvPr id="1" name=""/>
-        <p:cNvGrpSpPr/>
-        <p:nvPr/>
-      </p:nvGrpSpPr>
-      <p:grpSpPr>
-        <a:xfrm>
-          <a:off x="0" y="0"/>
-          <a:ext cx="0" cy="0"/>
-          <a:chOff x="0" y="0"/>
-          <a:chExt cx="0" cy="0"/>
-        </a:xfrm>
-      </p:grpSpPr>
-      <p:sp useBgFill="1">
-        <p:nvSpPr>
-          <p:cNvPr id="9" name="Rectangle 8">
-            <a:extLst>
-              <a:ext uri="{FF2B5EF4-FFF2-40B4-BE49-F238E27FC236}">
-                <a16:creationId xmlns:a16="http://schemas.microsoft.com/office/drawing/2014/main" id="{35C3D674-3D59-4E93-80CA-0C0A9095E816}"/>
-              </a:ext>
-              <a:ext uri="{C183D7F6-B498-43B3-948B-1728B52AA6E4}">
-                <adec:decorative xmlns:adec="http://schemas.microsoft.com/office/drawing/2017/decorative" val="1"/>
-              </a:ext>
-            </a:extLst>
-          </p:cNvPr>
-          <p:cNvSpPr>
-            <a:spLocks noGrp="1" noRot="1" noChangeAspect="1" noMove="1" noResize="1" noEditPoints="1" noAdjustHandles="1" noChangeArrowheads="1" noChangeShapeType="1" noTextEdit="1"/>
-          </p:cNvSpPr>
-          <p:nvPr>
-            <p:extLst>
-              <p:ext uri="{386F3935-93C4-4BCD-93E2-E3B085C9AB24}">
-                <p16:designElem xmlns:p16="http://schemas.microsoft.com/office/powerpoint/2015/main" val="1"/>
-              </p:ext>
-            </p:extLst>
-          </p:nvPr>
-        </p:nvSpPr>
-        <p:spPr>
-          <a:xfrm>
-            <a:off x="2" y="0"/>
-            <a:ext cx="12191695" cy="6858000"/>
-          </a:xfrm>
-          <a:prstGeom prst="rect">
-            <a:avLst/>
-          </a:prstGeom>
-          <a:ln>
-            <a:noFill/>
-          </a:ln>
-        </p:spPr>
-        <p:style>
-          <a:lnRef idx="2">
-            <a:schemeClr val="accent1">
-              <a:shade val="50000"/>
-            </a:schemeClr>
-          </a:lnRef>
-          <a:fillRef idx="1">
-            <a:schemeClr val="accent1"/>
-          </a:fillRef>
-          <a:effectRef idx="0">
-            <a:schemeClr val="accent1"/>
-          </a:effectRef>
-          <a:fontRef idx="minor">
-            <a:schemeClr val="lt1"/>
-          </a:fontRef>
-        </p:style>
-        <p:txBody>
-          <a:bodyPr rtlCol="0" anchor="ctr"/>
-          <a:lstStyle/>
-          <a:p>
-            <a:pPr algn="ctr"/>
-            <a:endParaRPr lang="en-US"/>
-          </a:p>
-        </p:txBody>
-      </p:sp>
-      <p:cxnSp>
-        <p:nvCxnSpPr>
-          <p:cNvPr id="11" name="Straight Connector 10">
-            <a:extLst>
-              <a:ext uri="{FF2B5EF4-FFF2-40B4-BE49-F238E27FC236}">
-                <a16:creationId xmlns:a16="http://schemas.microsoft.com/office/drawing/2014/main" id="{C884B8F8-FDC9-498B-9960-5D7260AFCB03}"/>
-              </a:ext>
-              <a:ext uri="{C183D7F6-B498-43B3-948B-1728B52AA6E4}">
-                <adec:decorative xmlns:adec="http://schemas.microsoft.com/office/drawing/2017/decorative" val="1"/>
-              </a:ext>
-            </a:extLst>
-          </p:cNvPr>
-          <p:cNvCxnSpPr>
-            <a:cxnSpLocks noGrp="1" noRot="1" noChangeAspect="1" noMove="1" noResize="1" noEditPoints="1" noAdjustHandles="1" noChangeArrowheads="1" noChangeShapeType="1"/>
-          </p:cNvCxnSpPr>
-          <p:nvPr>
-            <p:extLst>
-              <p:ext uri="{386F3935-93C4-4BCD-93E2-E3B085C9AB24}">
-                <p16:designElem xmlns:p16="http://schemas.microsoft.com/office/powerpoint/2015/main" val="1"/>
-              </p:ext>
-            </p:extLst>
-          </p:nvPr>
-        </p:nvCxnSpPr>
-        <p:spPr>
-          <a:xfrm>
-            <a:off x="1453896" y="1847088"/>
-            <a:ext cx="4177373" cy="0"/>
-          </a:xfrm>
-          <a:prstGeom prst="line">
-            <a:avLst/>
-          </a:prstGeom>
-          <a:ln w="31750"/>
-        </p:spPr>
-        <p:style>
-          <a:lnRef idx="3">
-            <a:schemeClr val="accent1"/>
-          </a:lnRef>
-          <a:fillRef idx="0">
-            <a:schemeClr val="accent1"/>
-          </a:fillRef>
-          <a:effectRef idx="2">
-            <a:schemeClr val="accent1"/>
-          </a:effectRef>
-          <a:fontRef idx="minor">
-            <a:schemeClr val="tx1"/>
-          </a:fontRef>
-        </p:style>
-      </p:cxnSp>
-      <p:sp>
-        <p:nvSpPr>
-          <p:cNvPr id="2" name="Title 1">
-            <a:extLst>
-              <a:ext uri="{FF2B5EF4-FFF2-40B4-BE49-F238E27FC236}">
-                <a16:creationId xmlns:a16="http://schemas.microsoft.com/office/drawing/2014/main" id="{FD215B32-0BA9-984C-87C5-E2E40D4018CD}"/>
-              </a:ext>
-            </a:extLst>
-          </p:cNvPr>
-          <p:cNvSpPr>
-            <a:spLocks noGrp="1"/>
-          </p:cNvSpPr>
-          <p:nvPr>
-            <p:ph type="title"/>
-          </p:nvPr>
-        </p:nvSpPr>
-        <p:spPr>
-          <a:xfrm>
-            <a:off x="1451580" y="804520"/>
-            <a:ext cx="4176511" cy="1049235"/>
-          </a:xfrm>
-        </p:spPr>
-        <p:txBody>
-          <a:bodyPr>
-            <a:normAutofit/>
-          </a:bodyPr>
-          <a:lstStyle/>
-          <a:p>
-            <a:r>
-              <a:rPr lang="en-US" dirty="0"/>
-              <a:t>Docstrings</a:t>
-            </a:r>
-          </a:p>
-        </p:txBody>
-      </p:sp>
-      <p:sp>
-        <p:nvSpPr>
-          <p:cNvPr id="13" name="Rectangle 12">
-            <a:extLst>
-              <a:ext uri="{FF2B5EF4-FFF2-40B4-BE49-F238E27FC236}">
-                <a16:creationId xmlns:a16="http://schemas.microsoft.com/office/drawing/2014/main" id="{EF2A81E1-BCBE-426B-8C09-33274E69409D}"/>
-              </a:ext>
-              <a:ext uri="{C183D7F6-B498-43B3-948B-1728B52AA6E4}">
-                <adec:decorative xmlns:adec="http://schemas.microsoft.com/office/drawing/2017/decorative" val="1"/>
-              </a:ext>
-            </a:extLst>
-          </p:cNvPr>
-          <p:cNvSpPr>
-            <a:spLocks noGrp="1" noRot="1" noChangeAspect="1" noMove="1" noResize="1" noEditPoints="1" noAdjustHandles="1" noChangeArrowheads="1" noChangeShapeType="1" noTextEdit="1"/>
-          </p:cNvSpPr>
-          <p:nvPr>
-            <p:extLst>
-              <p:ext uri="{386F3935-93C4-4BCD-93E2-E3B085C9AB24}">
-                <p16:designElem xmlns:p16="http://schemas.microsoft.com/office/powerpoint/2015/main" val="1"/>
-              </p:ext>
-            </p:extLst>
-          </p:nvPr>
-        </p:nvSpPr>
-        <p:spPr>
-          <a:xfrm>
-            <a:off x="0" y="2019476"/>
-            <a:ext cx="12192000" cy="4105941"/>
-          </a:xfrm>
-          <a:prstGeom prst="rect">
-            <a:avLst/>
-          </a:prstGeom>
-          <a:gradFill flip="none" rotWithShape="1">
-            <a:gsLst>
-              <a:gs pos="0">
-                <a:schemeClr val="bg2">
-                  <a:alpha val="0"/>
-                </a:schemeClr>
-              </a:gs>
-              <a:gs pos="100000">
-                <a:schemeClr val="bg2"/>
-              </a:gs>
-            </a:gsLst>
-            <a:lin ang="5400000" scaled="0"/>
-            <a:tileRect/>
-          </a:gradFill>
-          <a:ln>
-            <a:noFill/>
-          </a:ln>
-        </p:spPr>
-        <p:style>
-          <a:lnRef idx="2">
-            <a:schemeClr val="accent1">
-              <a:shade val="50000"/>
-            </a:schemeClr>
-          </a:lnRef>
-          <a:fillRef idx="1">
-            <a:schemeClr val="accent1"/>
-          </a:fillRef>
-          <a:effectRef idx="0">
-            <a:schemeClr val="accent1"/>
-          </a:effectRef>
-          <a:fontRef idx="minor">
-            <a:schemeClr val="lt1"/>
-          </a:fontRef>
-        </p:style>
-        <p:txBody>
-          <a:bodyPr rtlCol="0" anchor="ctr"/>
-          <a:lstStyle/>
-          <a:p>
-            <a:pPr lvl="0" algn="ctr"/>
-            <a:endParaRPr lang="en-US"/>
-          </a:p>
-        </p:txBody>
-      </p:sp>
-      <p:sp>
-        <p:nvSpPr>
-          <p:cNvPr id="3" name="Content Placeholder 2">
-            <a:extLst>
-              <a:ext uri="{FF2B5EF4-FFF2-40B4-BE49-F238E27FC236}">
-                <a16:creationId xmlns:a16="http://schemas.microsoft.com/office/drawing/2014/main" id="{B2B78253-AC3E-A974-6A12-80A2ABF48FA9}"/>
-              </a:ext>
-            </a:extLst>
-          </p:cNvPr>
-          <p:cNvSpPr>
-            <a:spLocks noGrp="1"/>
-          </p:cNvSpPr>
-          <p:nvPr>
-            <p:ph idx="1"/>
-          </p:nvPr>
-        </p:nvSpPr>
-        <p:spPr>
-          <a:xfrm>
-            <a:off x="296562" y="2015732"/>
-            <a:ext cx="5140411" cy="4037742"/>
-          </a:xfrm>
-        </p:spPr>
-        <p:txBody>
-          <a:bodyPr>
-            <a:normAutofit/>
-          </a:bodyPr>
-          <a:lstStyle/>
-          <a:p>
-            <a:r>
-              <a:rPr lang="en-US" dirty="0"/>
-              <a:t>Docstrings are a special type of comment, that details what is in a class and method. </a:t>
-            </a:r>
-          </a:p>
-          <a:p>
-            <a:r>
-              <a:rPr lang="en-US" dirty="0"/>
-              <a:t>Docstrings are located in the first line of a class or method. </a:t>
-            </a:r>
-          </a:p>
-          <a:p>
-            <a:r>
-              <a:rPr lang="en-US" dirty="0"/>
-              <a:t>They can be multi-lined, which is denoted by the triple quote. </a:t>
-            </a:r>
-          </a:p>
-          <a:p>
-            <a:r>
-              <a:rPr lang="en-US" dirty="0"/>
-              <a:t>Docstrings are captured automatically:</a:t>
-            </a:r>
-          </a:p>
-          <a:p>
-            <a:pPr lvl="1"/>
-            <a:r>
-              <a:rPr lang="en-US" dirty="0"/>
-              <a:t>__doc__ attribute or help(obj) function.</a:t>
-            </a:r>
-          </a:p>
-          <a:p>
-            <a:pPr lvl="1"/>
-            <a:r>
-              <a:rPr lang="en-US" dirty="0"/>
-              <a:t>Other tools to generate doc pages </a:t>
-            </a:r>
-          </a:p>
-        </p:txBody>
-      </p:sp>
-      <p:pic>
-        <p:nvPicPr>
-          <p:cNvPr id="4" name="Picture 3">
-            <a:extLst>
-              <a:ext uri="{FF2B5EF4-FFF2-40B4-BE49-F238E27FC236}">
-                <a16:creationId xmlns:a16="http://schemas.microsoft.com/office/drawing/2014/main" id="{8F3989D7-2DCE-7206-D0F9-BD8F423465B0}"/>
-              </a:ext>
-            </a:extLst>
-          </p:cNvPr>
-          <p:cNvPicPr>
-            <a:picLocks noChangeAspect="1"/>
-          </p:cNvPicPr>
-          <p:nvPr/>
-        </p:nvPicPr>
-        <p:blipFill>
-          <a:blip r:embed="rId2"/>
-          <a:stretch>
-            <a:fillRect/>
-          </a:stretch>
-        </p:blipFill>
-        <p:spPr>
-          <a:xfrm>
-            <a:off x="5571670" y="-11430"/>
-            <a:ext cx="6600161" cy="6385657"/>
-          </a:xfrm>
-          <a:prstGeom prst="rect">
-            <a:avLst/>
-          </a:prstGeom>
-        </p:spPr>
-      </p:pic>
-      <p:pic>
-        <p:nvPicPr>
-          <p:cNvPr id="15" name="Picture 14">
-            <a:extLst>
-              <a:ext uri="{FF2B5EF4-FFF2-40B4-BE49-F238E27FC236}">
-                <a16:creationId xmlns:a16="http://schemas.microsoft.com/office/drawing/2014/main" id="{39D1DDD4-5BB3-45BA-B9B3-06B62299AD79}"/>
-              </a:ext>
-              <a:ext uri="{C183D7F6-B498-43B3-948B-1728B52AA6E4}">
-                <adec:decorative xmlns:adec="http://schemas.microsoft.com/office/drawing/2017/decorative" val="1"/>
-              </a:ext>
-            </a:extLst>
-          </p:cNvPr>
-          <p:cNvPicPr>
-            <a:picLocks noGrp="1" noRot="1" noChangeAspect="1" noMove="1" noResize="1" noEditPoints="1" noAdjustHandles="1" noChangeArrowheads="1" noChangeShapeType="1" noCrop="1"/>
-          </p:cNvPicPr>
-          <p:nvPr>
-            <p:extLst>
-              <p:ext uri="{386F3935-93C4-4BCD-93E2-E3B085C9AB24}">
-                <p16:designElem xmlns:p16="http://schemas.microsoft.com/office/powerpoint/2015/main" val="1"/>
-              </p:ext>
-            </p:extLst>
-          </p:nvPr>
-        </p:nvPicPr>
-        <p:blipFill rotWithShape="1">
-          <a:blip r:embed="rId3">
-            <a:extLst>
-              <a:ext uri="{28A0092B-C50C-407E-A947-70E740481C1C}">
-                <a14:useLocalDpi xmlns:a14="http://schemas.microsoft.com/office/drawing/2010/main" val="0"/>
-              </a:ext>
-            </a:extLst>
-          </a:blip>
-          <a:srcRect t="1538" b="-1538"/>
-          <a:stretch/>
-        </p:blipFill>
-        <p:spPr bwMode="black">
-          <a:xfrm>
-            <a:off x="0" y="6126480"/>
-            <a:ext cx="12192000" cy="742950"/>
-          </a:xfrm>
-          <a:prstGeom prst="rect">
-            <a:avLst/>
-          </a:prstGeom>
-        </p:spPr>
-      </p:pic>
-      <p:cxnSp>
-        <p:nvCxnSpPr>
-          <p:cNvPr id="17" name="Straight Connector 16">
-            <a:extLst>
-              <a:ext uri="{FF2B5EF4-FFF2-40B4-BE49-F238E27FC236}">
-                <a16:creationId xmlns:a16="http://schemas.microsoft.com/office/drawing/2014/main" id="{A24DAE64-2302-42EA-8239-F2F0775CA5AD}"/>
-              </a:ext>
-              <a:ext uri="{C183D7F6-B498-43B3-948B-1728B52AA6E4}">
-                <adec:decorative xmlns:adec="http://schemas.microsoft.com/office/drawing/2017/decorative" val="1"/>
-              </a:ext>
-            </a:extLst>
-          </p:cNvPr>
-          <p:cNvCxnSpPr>
-            <a:cxnSpLocks noGrp="1" noRot="1" noChangeAspect="1" noMove="1" noResize="1" noEditPoints="1" noAdjustHandles="1" noChangeArrowheads="1" noChangeShapeType="1"/>
-          </p:cNvCxnSpPr>
-          <p:nvPr>
-            <p:extLst>
-              <p:ext uri="{386F3935-93C4-4BCD-93E2-E3B085C9AB24}">
-                <p16:designElem xmlns:p16="http://schemas.microsoft.com/office/powerpoint/2015/main" val="1"/>
-              </p:ext>
-            </p:extLst>
-          </p:nvPr>
-        </p:nvCxnSpPr>
-        <p:spPr>
-          <a:xfrm>
-            <a:off x="0" y="6128413"/>
-            <a:ext cx="12192000" cy="0"/>
-          </a:xfrm>
-          <a:prstGeom prst="line">
-            <a:avLst/>
-          </a:prstGeom>
-          <a:ln w="12700">
-            <a:solidFill>
-              <a:srgbClr val="000001">
-                <a:alpha val="20000"/>
-              </a:srgbClr>
-            </a:solidFill>
-          </a:ln>
-        </p:spPr>
-        <p:style>
-          <a:lnRef idx="1">
-            <a:schemeClr val="accent1"/>
-          </a:lnRef>
-          <a:fillRef idx="0">
-            <a:schemeClr val="accent1"/>
-          </a:fillRef>
-          <a:effectRef idx="0">
-            <a:schemeClr val="accent1"/>
-          </a:effectRef>
-          <a:fontRef idx="minor">
-            <a:schemeClr val="tx1"/>
-          </a:fontRef>
-        </p:style>
-      </p:cxnSp>
-    </p:spTree>
-    <p:extLst>
-      <p:ext uri="{BB962C8B-B14F-4D97-AF65-F5344CB8AC3E}">
-        <p14:creationId xmlns:p14="http://schemas.microsoft.com/office/powerpoint/2010/main" val="3850019662"/>
       </p:ext>
     </p:extLst>
   </p:cSld>
@@ -4968,12 +4815,120 @@
           <a:chExt cx="0" cy="0"/>
         </a:xfrm>
       </p:grpSpPr>
+      <p:sp useBgFill="1">
+        <p:nvSpPr>
+          <p:cNvPr id="9" name="Rectangle 8">
+            <a:extLst>
+              <a:ext uri="{FF2B5EF4-FFF2-40B4-BE49-F238E27FC236}">
+                <a16:creationId xmlns:a16="http://schemas.microsoft.com/office/drawing/2014/main" id="{35C3D674-3D59-4E93-80CA-0C0A9095E816}"/>
+              </a:ext>
+              <a:ext uri="{C183D7F6-B498-43B3-948B-1728B52AA6E4}">
+                <adec:decorative xmlns:adec="http://schemas.microsoft.com/office/drawing/2017/decorative" val="1"/>
+              </a:ext>
+            </a:extLst>
+          </p:cNvPr>
+          <p:cNvSpPr>
+            <a:spLocks noGrp="1" noRot="1" noChangeAspect="1" noMove="1" noResize="1" noEditPoints="1" noAdjustHandles="1" noChangeArrowheads="1" noChangeShapeType="1" noTextEdit="1"/>
+          </p:cNvSpPr>
+          <p:nvPr>
+            <p:extLst>
+              <p:ext uri="{386F3935-93C4-4BCD-93E2-E3B085C9AB24}">
+                <p16:designElem xmlns:p16="http://schemas.microsoft.com/office/powerpoint/2015/main" val="1"/>
+              </p:ext>
+            </p:extLst>
+          </p:nvPr>
+        </p:nvSpPr>
+        <p:spPr>
+          <a:xfrm>
+            <a:off x="2" y="0"/>
+            <a:ext cx="12191695" cy="6858000"/>
+          </a:xfrm>
+          <a:prstGeom prst="rect">
+            <a:avLst/>
+          </a:prstGeom>
+          <a:ln>
+            <a:noFill/>
+          </a:ln>
+        </p:spPr>
+        <p:style>
+          <a:lnRef idx="2">
+            <a:schemeClr val="accent1">
+              <a:shade val="50000"/>
+            </a:schemeClr>
+          </a:lnRef>
+          <a:fillRef idx="1">
+            <a:schemeClr val="accent1"/>
+          </a:fillRef>
+          <a:effectRef idx="0">
+            <a:schemeClr val="accent1"/>
+          </a:effectRef>
+          <a:fontRef idx="minor">
+            <a:schemeClr val="lt1"/>
+          </a:fontRef>
+        </p:style>
+        <p:txBody>
+          <a:bodyPr rtlCol="0" anchor="ctr"/>
+          <a:lstStyle/>
+          <a:p>
+            <a:pPr algn="ctr"/>
+            <a:endParaRPr lang="en-US"/>
+          </a:p>
+        </p:txBody>
+      </p:sp>
+      <p:cxnSp>
+        <p:nvCxnSpPr>
+          <p:cNvPr id="11" name="Straight Connector 10">
+            <a:extLst>
+              <a:ext uri="{FF2B5EF4-FFF2-40B4-BE49-F238E27FC236}">
+                <a16:creationId xmlns:a16="http://schemas.microsoft.com/office/drawing/2014/main" id="{C884B8F8-FDC9-498B-9960-5D7260AFCB03}"/>
+              </a:ext>
+              <a:ext uri="{C183D7F6-B498-43B3-948B-1728B52AA6E4}">
+                <adec:decorative xmlns:adec="http://schemas.microsoft.com/office/drawing/2017/decorative" val="1"/>
+              </a:ext>
+            </a:extLst>
+          </p:cNvPr>
+          <p:cNvCxnSpPr>
+            <a:cxnSpLocks noGrp="1" noRot="1" noChangeAspect="1" noMove="1" noResize="1" noEditPoints="1" noAdjustHandles="1" noChangeArrowheads="1" noChangeShapeType="1"/>
+          </p:cNvCxnSpPr>
+          <p:nvPr>
+            <p:extLst>
+              <p:ext uri="{386F3935-93C4-4BCD-93E2-E3B085C9AB24}">
+                <p16:designElem xmlns:p16="http://schemas.microsoft.com/office/powerpoint/2015/main" val="1"/>
+              </p:ext>
+            </p:extLst>
+          </p:nvPr>
+        </p:nvCxnSpPr>
+        <p:spPr>
+          <a:xfrm>
+            <a:off x="1453896" y="1847088"/>
+            <a:ext cx="4177373" cy="0"/>
+          </a:xfrm>
+          <a:prstGeom prst="line">
+            <a:avLst/>
+          </a:prstGeom>
+          <a:ln w="31750"/>
+        </p:spPr>
+        <p:style>
+          <a:lnRef idx="3">
+            <a:schemeClr val="accent1"/>
+          </a:lnRef>
+          <a:fillRef idx="0">
+            <a:schemeClr val="accent1"/>
+          </a:fillRef>
+          <a:effectRef idx="2">
+            <a:schemeClr val="accent1"/>
+          </a:effectRef>
+          <a:fontRef idx="minor">
+            <a:schemeClr val="tx1"/>
+          </a:fontRef>
+        </p:style>
+      </p:cxnSp>
       <p:sp>
         <p:nvSpPr>
           <p:cNvPr id="2" name="Title 1">
             <a:extLst>
               <a:ext uri="{FF2B5EF4-FFF2-40B4-BE49-F238E27FC236}">
-                <a16:creationId xmlns:a16="http://schemas.microsoft.com/office/drawing/2014/main" id="{A0441EAA-A76F-E239-BA6C-4A5F86C67087}"/>
+                <a16:creationId xmlns:a16="http://schemas.microsoft.com/office/drawing/2014/main" id="{FD215B32-0BA9-984C-87C5-E2E40D4018CD}"/>
               </a:ext>
             </a:extLst>
           </p:cNvPr>
@@ -4986,8 +4941,8 @@
         </p:nvSpPr>
         <p:spPr>
           <a:xfrm>
-            <a:off x="1451579" y="804519"/>
-            <a:ext cx="9603275" cy="1049235"/>
+            <a:off x="1451580" y="804520"/>
+            <a:ext cx="4176511" cy="1049235"/>
           </a:xfrm>
         </p:spPr>
         <p:txBody>
@@ -4998,7 +4953,148 @@
           <a:p>
             <a:r>
               <a:rPr lang="en-US" dirty="0"/>
-              <a:t>Docstring contents - Functions</a:t>
+              <a:t>Docstrings</a:t>
+            </a:r>
+          </a:p>
+        </p:txBody>
+      </p:sp>
+      <p:sp>
+        <p:nvSpPr>
+          <p:cNvPr id="13" name="Rectangle 12">
+            <a:extLst>
+              <a:ext uri="{FF2B5EF4-FFF2-40B4-BE49-F238E27FC236}">
+                <a16:creationId xmlns:a16="http://schemas.microsoft.com/office/drawing/2014/main" id="{EF2A81E1-BCBE-426B-8C09-33274E69409D}"/>
+              </a:ext>
+              <a:ext uri="{C183D7F6-B498-43B3-948B-1728B52AA6E4}">
+                <adec:decorative xmlns:adec="http://schemas.microsoft.com/office/drawing/2017/decorative" val="1"/>
+              </a:ext>
+            </a:extLst>
+          </p:cNvPr>
+          <p:cNvSpPr>
+            <a:spLocks noGrp="1" noRot="1" noChangeAspect="1" noMove="1" noResize="1" noEditPoints="1" noAdjustHandles="1" noChangeArrowheads="1" noChangeShapeType="1" noTextEdit="1"/>
+          </p:cNvSpPr>
+          <p:nvPr>
+            <p:extLst>
+              <p:ext uri="{386F3935-93C4-4BCD-93E2-E3B085C9AB24}">
+                <p16:designElem xmlns:p16="http://schemas.microsoft.com/office/powerpoint/2015/main" val="1"/>
+              </p:ext>
+            </p:extLst>
+          </p:nvPr>
+        </p:nvSpPr>
+        <p:spPr>
+          <a:xfrm>
+            <a:off x="0" y="2019476"/>
+            <a:ext cx="12192000" cy="4105941"/>
+          </a:xfrm>
+          <a:prstGeom prst="rect">
+            <a:avLst/>
+          </a:prstGeom>
+          <a:gradFill flip="none" rotWithShape="1">
+            <a:gsLst>
+              <a:gs pos="0">
+                <a:schemeClr val="bg2">
+                  <a:alpha val="0"/>
+                </a:schemeClr>
+              </a:gs>
+              <a:gs pos="100000">
+                <a:schemeClr val="bg2"/>
+              </a:gs>
+            </a:gsLst>
+            <a:lin ang="5400000" scaled="0"/>
+            <a:tileRect/>
+          </a:gradFill>
+          <a:ln>
+            <a:noFill/>
+          </a:ln>
+        </p:spPr>
+        <p:style>
+          <a:lnRef idx="2">
+            <a:schemeClr val="accent1">
+              <a:shade val="50000"/>
+            </a:schemeClr>
+          </a:lnRef>
+          <a:fillRef idx="1">
+            <a:schemeClr val="accent1"/>
+          </a:fillRef>
+          <a:effectRef idx="0">
+            <a:schemeClr val="accent1"/>
+          </a:effectRef>
+          <a:fontRef idx="minor">
+            <a:schemeClr val="lt1"/>
+          </a:fontRef>
+        </p:style>
+        <p:txBody>
+          <a:bodyPr rtlCol="0" anchor="ctr"/>
+          <a:lstStyle/>
+          <a:p>
+            <a:pPr lvl="0" algn="ctr"/>
+            <a:endParaRPr lang="en-US"/>
+          </a:p>
+        </p:txBody>
+      </p:sp>
+      <p:sp>
+        <p:nvSpPr>
+          <p:cNvPr id="3" name="Content Placeholder 2">
+            <a:extLst>
+              <a:ext uri="{FF2B5EF4-FFF2-40B4-BE49-F238E27FC236}">
+                <a16:creationId xmlns:a16="http://schemas.microsoft.com/office/drawing/2014/main" id="{B2B78253-AC3E-A974-6A12-80A2ABF48FA9}"/>
+              </a:ext>
+            </a:extLst>
+          </p:cNvPr>
+          <p:cNvSpPr>
+            <a:spLocks noGrp="1"/>
+          </p:cNvSpPr>
+          <p:nvPr>
+            <p:ph idx="1"/>
+          </p:nvPr>
+        </p:nvSpPr>
+        <p:spPr>
+          <a:xfrm>
+            <a:off x="296562" y="2015732"/>
+            <a:ext cx="5140411" cy="4037742"/>
+          </a:xfrm>
+        </p:spPr>
+        <p:txBody>
+          <a:bodyPr>
+            <a:normAutofit/>
+          </a:bodyPr>
+          <a:lstStyle/>
+          <a:p>
+            <a:r>
+              <a:rPr lang="en-US" dirty="0"/>
+              <a:t>Docstrings are a special type of comment, that details what is in a class and method. </a:t>
+            </a:r>
+          </a:p>
+          <a:p>
+            <a:r>
+              <a:rPr lang="en-US" dirty="0"/>
+              <a:t>Docstrings are located in the first line of a class or method. </a:t>
+            </a:r>
+          </a:p>
+          <a:p>
+            <a:r>
+              <a:rPr lang="en-US" dirty="0"/>
+              <a:t>They can be multi-lined, which is denoted by the triple quote. </a:t>
+            </a:r>
+          </a:p>
+          <a:p>
+            <a:r>
+              <a:rPr lang="en-US" dirty="0"/>
+              <a:t>Docstrings are captured automatically:</a:t>
+            </a:r>
+          </a:p>
+          <a:p>
+            <a:pPr lvl="1"/>
+            <a:r>
+              <a:rPr lang="en-US" dirty="0"/>
+              <a:t>__doc__ attribute or help(obj) function.</a:t>
+            </a:r>
+          </a:p>
+          <a:p>
+            <a:pPr lvl="1"/>
+            <a:r>
+              <a:rPr lang="en-US" dirty="0"/>
+              <a:t>Other tools to generate doc pages </a:t>
             </a:r>
           </a:p>
         </p:txBody>
@@ -5008,7 +5104,7 @@
           <p:cNvPr id="4" name="Picture 3">
             <a:extLst>
               <a:ext uri="{FF2B5EF4-FFF2-40B4-BE49-F238E27FC236}">
-                <a16:creationId xmlns:a16="http://schemas.microsoft.com/office/drawing/2014/main" id="{573709E6-8A78-E7C1-2F7E-768484337CE3}"/>
+                <a16:creationId xmlns:a16="http://schemas.microsoft.com/office/drawing/2014/main" id="{8F3989D7-2DCE-7206-D0F9-BD8F423465B0}"/>
               </a:ext>
             </a:extLst>
           </p:cNvPr>
@@ -5017,88 +5113,124 @@
           </p:cNvPicPr>
           <p:nvPr/>
         </p:nvPicPr>
-        <p:blipFill rotWithShape="1">
+        <p:blipFill>
           <a:blip r:embed="rId2"/>
-          <a:srcRect r="27001"/>
-          <a:stretch/>
+          <a:stretch>
+            <a:fillRect/>
+          </a:stretch>
         </p:blipFill>
         <p:spPr>
           <a:xfrm>
-            <a:off x="-55921" y="2015734"/>
-            <a:ext cx="6807201" cy="4305553"/>
+            <a:off x="5571670" y="-11430"/>
+            <a:ext cx="6600161" cy="6385657"/>
           </a:xfrm>
           <a:prstGeom prst="rect">
             <a:avLst/>
           </a:prstGeom>
         </p:spPr>
       </p:pic>
-      <p:sp>
-        <p:nvSpPr>
-          <p:cNvPr id="3" name="Content Placeholder 2">
+      <p:pic>
+        <p:nvPicPr>
+          <p:cNvPr id="15" name="Picture 14">
             <a:extLst>
               <a:ext uri="{FF2B5EF4-FFF2-40B4-BE49-F238E27FC236}">
-                <a16:creationId xmlns:a16="http://schemas.microsoft.com/office/drawing/2014/main" id="{CA6D8ED8-EA0B-8D6C-C3BD-7294B2CCA743}"/>
+                <a16:creationId xmlns:a16="http://schemas.microsoft.com/office/drawing/2014/main" id="{39D1DDD4-5BB3-45BA-B9B3-06B62299AD79}"/>
+              </a:ext>
+              <a:ext uri="{C183D7F6-B498-43B3-948B-1728B52AA6E4}">
+                <adec:decorative xmlns:adec="http://schemas.microsoft.com/office/drawing/2017/decorative" val="1"/>
               </a:ext>
             </a:extLst>
           </p:cNvPr>
-          <p:cNvSpPr>
-            <a:spLocks noGrp="1"/>
-          </p:cNvSpPr>
-          <p:nvPr>
-            <p:ph idx="1"/>
-          </p:nvPr>
-        </p:nvSpPr>
-        <p:spPr>
-          <a:xfrm>
-            <a:off x="6892299" y="2015734"/>
-            <a:ext cx="5299701" cy="4125574"/>
-          </a:xfrm>
-        </p:spPr>
-        <p:txBody>
-          <a:bodyPr>
-            <a:normAutofit fontScale="92500"/>
-          </a:bodyPr>
-          <a:lstStyle/>
-          <a:p>
-            <a:r>
-              <a:rPr lang="en-US" sz="3200" dirty="0"/>
-              <a:t>Docstrings for functions contain:</a:t>
-            </a:r>
-          </a:p>
-          <a:p>
-            <a:pPr lvl="1"/>
-            <a:r>
-              <a:rPr lang="en-US" sz="2800" dirty="0"/>
-              <a:t>A one line description of the function. </a:t>
-            </a:r>
-          </a:p>
-          <a:p>
-            <a:pPr lvl="1"/>
-            <a:r>
-              <a:rPr lang="en-US" sz="2800" dirty="0"/>
-              <a:t>A longer description, if needed. </a:t>
-            </a:r>
-          </a:p>
-          <a:p>
-            <a:pPr lvl="1"/>
-            <a:r>
-              <a:rPr lang="en-US" sz="2800" dirty="0"/>
-              <a:t>The parameters. </a:t>
-            </a:r>
-          </a:p>
-          <a:p>
-            <a:pPr lvl="1"/>
-            <a:r>
-              <a:rPr lang="en-US" sz="2800" dirty="0"/>
-              <a:t>The return. </a:t>
-            </a:r>
-          </a:p>
-        </p:txBody>
-      </p:sp>
+          <p:cNvPicPr>
+            <a:picLocks noGrp="1" noRot="1" noChangeAspect="1" noMove="1" noResize="1" noEditPoints="1" noAdjustHandles="1" noChangeArrowheads="1" noChangeShapeType="1" noCrop="1"/>
+          </p:cNvPicPr>
+          <p:nvPr>
+            <p:extLst>
+              <p:ext uri="{386F3935-93C4-4BCD-93E2-E3B085C9AB24}">
+                <p16:designElem xmlns:p16="http://schemas.microsoft.com/office/powerpoint/2015/main" val="1"/>
+              </p:ext>
+            </p:extLst>
+          </p:nvPr>
+        </p:nvPicPr>
+        <p:blipFill rotWithShape="1">
+          <a:blip r:embed="rId3">
+            <a:extLst>
+              <a:ext uri="{28A0092B-C50C-407E-A947-70E740481C1C}">
+                <a14:useLocalDpi xmlns:a14="http://schemas.microsoft.com/office/drawing/2010/main" val="0"/>
+              </a:ext>
+            </a:extLst>
+          </a:blip>
+          <a:srcRect t="1538" b="-1538"/>
+          <a:stretch/>
+        </p:blipFill>
+        <p:spPr bwMode="black">
+          <a:xfrm>
+            <a:off x="0" y="6126480"/>
+            <a:ext cx="12192000" cy="742950"/>
+          </a:xfrm>
+          <a:prstGeom prst="rect">
+            <a:avLst/>
+          </a:prstGeom>
+        </p:spPr>
+      </p:pic>
+      <p:cxnSp>
+        <p:nvCxnSpPr>
+          <p:cNvPr id="17" name="Straight Connector 16">
+            <a:extLst>
+              <a:ext uri="{FF2B5EF4-FFF2-40B4-BE49-F238E27FC236}">
+                <a16:creationId xmlns:a16="http://schemas.microsoft.com/office/drawing/2014/main" id="{A24DAE64-2302-42EA-8239-F2F0775CA5AD}"/>
+              </a:ext>
+              <a:ext uri="{C183D7F6-B498-43B3-948B-1728B52AA6E4}">
+                <adec:decorative xmlns:adec="http://schemas.microsoft.com/office/drawing/2017/decorative" val="1"/>
+              </a:ext>
+            </a:extLst>
+          </p:cNvPr>
+          <p:cNvCxnSpPr>
+            <a:cxnSpLocks noGrp="1" noRot="1" noChangeAspect="1" noMove="1" noResize="1" noEditPoints="1" noAdjustHandles="1" noChangeArrowheads="1" noChangeShapeType="1"/>
+          </p:cNvCxnSpPr>
+          <p:nvPr>
+            <p:extLst>
+              <p:ext uri="{386F3935-93C4-4BCD-93E2-E3B085C9AB24}">
+                <p16:designElem xmlns:p16="http://schemas.microsoft.com/office/powerpoint/2015/main" val="1"/>
+              </p:ext>
+            </p:extLst>
+          </p:nvPr>
+        </p:nvCxnSpPr>
+        <p:spPr>
+          <a:xfrm>
+            <a:off x="0" y="6128413"/>
+            <a:ext cx="12192000" cy="0"/>
+          </a:xfrm>
+          <a:prstGeom prst="line">
+            <a:avLst/>
+          </a:prstGeom>
+          <a:ln w="12700">
+            <a:solidFill>
+              <a:srgbClr val="000001">
+                <a:alpha val="20000"/>
+              </a:srgbClr>
+            </a:solidFill>
+          </a:ln>
+        </p:spPr>
+        <p:style>
+          <a:lnRef idx="1">
+            <a:schemeClr val="accent1"/>
+          </a:lnRef>
+          <a:fillRef idx="0">
+            <a:schemeClr val="accent1"/>
+          </a:fillRef>
+          <a:effectRef idx="0">
+            <a:schemeClr val="accent1"/>
+          </a:effectRef>
+          <a:fontRef idx="minor">
+            <a:schemeClr val="tx1"/>
+          </a:fontRef>
+        </p:style>
+      </p:cxnSp>
     </p:spTree>
     <p:extLst>
       <p:ext uri="{BB962C8B-B14F-4D97-AF65-F5344CB8AC3E}">
-        <p14:creationId xmlns:p14="http://schemas.microsoft.com/office/powerpoint/2010/main" val="3510509253"/>
+        <p14:creationId xmlns:p14="http://schemas.microsoft.com/office/powerpoint/2010/main" val="3850019662"/>
       </p:ext>
     </p:extLst>
   </p:cSld>
@@ -5149,6 +5281,187 @@
           <a:chExt cx="0" cy="0"/>
         </a:xfrm>
       </p:grpSpPr>
+      <p:sp>
+        <p:nvSpPr>
+          <p:cNvPr id="2" name="Title 1">
+            <a:extLst>
+              <a:ext uri="{FF2B5EF4-FFF2-40B4-BE49-F238E27FC236}">
+                <a16:creationId xmlns:a16="http://schemas.microsoft.com/office/drawing/2014/main" id="{A0441EAA-A76F-E239-BA6C-4A5F86C67087}"/>
+              </a:ext>
+            </a:extLst>
+          </p:cNvPr>
+          <p:cNvSpPr>
+            <a:spLocks noGrp="1"/>
+          </p:cNvSpPr>
+          <p:nvPr>
+            <p:ph type="title"/>
+          </p:nvPr>
+        </p:nvSpPr>
+        <p:spPr>
+          <a:xfrm>
+            <a:off x="1451579" y="804519"/>
+            <a:ext cx="9603275" cy="1049235"/>
+          </a:xfrm>
+        </p:spPr>
+        <p:txBody>
+          <a:bodyPr>
+            <a:normAutofit/>
+          </a:bodyPr>
+          <a:lstStyle/>
+          <a:p>
+            <a:r>
+              <a:rPr lang="en-US" dirty="0"/>
+              <a:t>Docstring contents - Functions</a:t>
+            </a:r>
+          </a:p>
+        </p:txBody>
+      </p:sp>
+      <p:pic>
+        <p:nvPicPr>
+          <p:cNvPr id="4" name="Picture 3">
+            <a:extLst>
+              <a:ext uri="{FF2B5EF4-FFF2-40B4-BE49-F238E27FC236}">
+                <a16:creationId xmlns:a16="http://schemas.microsoft.com/office/drawing/2014/main" id="{573709E6-8A78-E7C1-2F7E-768484337CE3}"/>
+              </a:ext>
+            </a:extLst>
+          </p:cNvPr>
+          <p:cNvPicPr>
+            <a:picLocks noChangeAspect="1"/>
+          </p:cNvPicPr>
+          <p:nvPr/>
+        </p:nvPicPr>
+        <p:blipFill rotWithShape="1">
+          <a:blip r:embed="rId2"/>
+          <a:srcRect r="27001"/>
+          <a:stretch/>
+        </p:blipFill>
+        <p:spPr>
+          <a:xfrm>
+            <a:off x="-55921" y="2015734"/>
+            <a:ext cx="6807201" cy="4305553"/>
+          </a:xfrm>
+          <a:prstGeom prst="rect">
+            <a:avLst/>
+          </a:prstGeom>
+        </p:spPr>
+      </p:pic>
+      <p:sp>
+        <p:nvSpPr>
+          <p:cNvPr id="3" name="Content Placeholder 2">
+            <a:extLst>
+              <a:ext uri="{FF2B5EF4-FFF2-40B4-BE49-F238E27FC236}">
+                <a16:creationId xmlns:a16="http://schemas.microsoft.com/office/drawing/2014/main" id="{CA6D8ED8-EA0B-8D6C-C3BD-7294B2CCA743}"/>
+              </a:ext>
+            </a:extLst>
+          </p:cNvPr>
+          <p:cNvSpPr>
+            <a:spLocks noGrp="1"/>
+          </p:cNvSpPr>
+          <p:nvPr>
+            <p:ph idx="1"/>
+          </p:nvPr>
+        </p:nvSpPr>
+        <p:spPr>
+          <a:xfrm>
+            <a:off x="6892299" y="2015734"/>
+            <a:ext cx="5299701" cy="4125574"/>
+          </a:xfrm>
+        </p:spPr>
+        <p:txBody>
+          <a:bodyPr>
+            <a:normAutofit fontScale="92500"/>
+          </a:bodyPr>
+          <a:lstStyle/>
+          <a:p>
+            <a:r>
+              <a:rPr lang="en-US" sz="3200" dirty="0"/>
+              <a:t>Docstrings for functions contain:</a:t>
+            </a:r>
+          </a:p>
+          <a:p>
+            <a:pPr lvl="1"/>
+            <a:r>
+              <a:rPr lang="en-US" sz="2800" dirty="0"/>
+              <a:t>A one line description of the function. </a:t>
+            </a:r>
+          </a:p>
+          <a:p>
+            <a:pPr lvl="1"/>
+            <a:r>
+              <a:rPr lang="en-US" sz="2800" dirty="0"/>
+              <a:t>A longer description, if needed. </a:t>
+            </a:r>
+          </a:p>
+          <a:p>
+            <a:pPr lvl="1"/>
+            <a:r>
+              <a:rPr lang="en-US" sz="2800" dirty="0"/>
+              <a:t>The parameters. </a:t>
+            </a:r>
+          </a:p>
+          <a:p>
+            <a:pPr lvl="1"/>
+            <a:r>
+              <a:rPr lang="en-US" sz="2800" dirty="0"/>
+              <a:t>The return. </a:t>
+            </a:r>
+          </a:p>
+        </p:txBody>
+      </p:sp>
+    </p:spTree>
+    <p:extLst>
+      <p:ext uri="{BB962C8B-B14F-4D97-AF65-F5344CB8AC3E}">
+        <p14:creationId xmlns:p14="http://schemas.microsoft.com/office/powerpoint/2010/main" val="3510509253"/>
+      </p:ext>
+    </p:extLst>
+  </p:cSld>
+  <p:clrMapOvr>
+    <a:masterClrMapping/>
+  </p:clrMapOvr>
+</p:sld>
+</file>
+
+<file path=ppt/slides/slide8.xml><?xml version="1.0" encoding="utf-8"?>
+<p:sld xmlns:a="http://schemas.openxmlformats.org/drawingml/2006/main" xmlns:r="http://schemas.openxmlformats.org/officeDocument/2006/relationships" xmlns:p="http://schemas.openxmlformats.org/presentationml/2006/main">
+  <p:cSld>
+    <p:bg>
+      <p:bgPr>
+        <a:gradFill rotWithShape="1">
+          <a:gsLst>
+            <a:gs pos="0">
+              <a:schemeClr val="bg2">
+                <a:tint val="94000"/>
+                <a:satMod val="80000"/>
+                <a:lumMod val="106000"/>
+              </a:schemeClr>
+            </a:gs>
+            <a:gs pos="100000">
+              <a:schemeClr val="bg2">
+                <a:shade val="80000"/>
+              </a:schemeClr>
+            </a:gs>
+          </a:gsLst>
+          <a:path path="circle">
+            <a:fillToRect l="43000" r="43000" b="100000"/>
+          </a:path>
+        </a:gradFill>
+        <a:effectLst/>
+      </p:bgPr>
+    </p:bg>
+    <p:spTree>
+      <p:nvGrpSpPr>
+        <p:cNvPr id="1" name=""/>
+        <p:cNvGrpSpPr/>
+        <p:nvPr/>
+      </p:nvGrpSpPr>
+      <p:grpSpPr>
+        <a:xfrm>
+          <a:off x="0" y="0"/>
+          <a:ext cx="0" cy="0"/>
+          <a:chOff x="0" y="0"/>
+          <a:chExt cx="0" cy="0"/>
+        </a:xfrm>
+      </p:grpSpPr>
       <p:sp useBgFill="1">
         <p:nvSpPr>
           <p:cNvPr id="9" name="Rectangle 8">
@@ -5566,123 +5879,6 @@
 </p:sld>
 </file>
 
-<file path=ppt/slides/slide8.xml><?xml version="1.0" encoding="utf-8"?>
-<p:sld xmlns:a="http://schemas.openxmlformats.org/drawingml/2006/main" xmlns:r="http://schemas.openxmlformats.org/officeDocument/2006/relationships" xmlns:p="http://schemas.openxmlformats.org/presentationml/2006/main">
-  <p:cSld>
-    <p:spTree>
-      <p:nvGrpSpPr>
-        <p:cNvPr id="1" name=""/>
-        <p:cNvGrpSpPr/>
-        <p:nvPr/>
-      </p:nvGrpSpPr>
-      <p:grpSpPr>
-        <a:xfrm>
-          <a:off x="0" y="0"/>
-          <a:ext cx="0" cy="0"/>
-          <a:chOff x="0" y="0"/>
-          <a:chExt cx="0" cy="0"/>
-        </a:xfrm>
-      </p:grpSpPr>
-      <p:sp>
-        <p:nvSpPr>
-          <p:cNvPr id="2" name="Title 1">
-            <a:extLst>
-              <a:ext uri="{FF2B5EF4-FFF2-40B4-BE49-F238E27FC236}">
-                <a16:creationId xmlns:a16="http://schemas.microsoft.com/office/drawing/2014/main" id="{D6B47075-665B-2C96-C01F-647DF795D214}"/>
-              </a:ext>
-            </a:extLst>
-          </p:cNvPr>
-          <p:cNvSpPr>
-            <a:spLocks noGrp="1"/>
-          </p:cNvSpPr>
-          <p:nvPr>
-            <p:ph type="title"/>
-          </p:nvPr>
-        </p:nvSpPr>
-        <p:spPr/>
-        <p:txBody>
-          <a:bodyPr/>
-          <a:lstStyle/>
-          <a:p>
-            <a:r>
-              <a:rPr lang="en-US" dirty="0"/>
-              <a:t>Commenting</a:t>
-            </a:r>
-          </a:p>
-        </p:txBody>
-      </p:sp>
-      <p:sp>
-        <p:nvSpPr>
-          <p:cNvPr id="3" name="Content Placeholder 2">
-            <a:extLst>
-              <a:ext uri="{FF2B5EF4-FFF2-40B4-BE49-F238E27FC236}">
-                <a16:creationId xmlns:a16="http://schemas.microsoft.com/office/drawing/2014/main" id="{0FF908EF-DE8C-6ECD-5863-8C4D54A985A6}"/>
-              </a:ext>
-            </a:extLst>
-          </p:cNvPr>
-          <p:cNvSpPr>
-            <a:spLocks noGrp="1"/>
-          </p:cNvSpPr>
-          <p:nvPr>
-            <p:ph idx="1"/>
-          </p:nvPr>
-        </p:nvSpPr>
-        <p:spPr>
-          <a:xfrm>
-            <a:off x="1451579" y="2015732"/>
-            <a:ext cx="9603275" cy="3868233"/>
-          </a:xfrm>
-        </p:spPr>
-        <p:txBody>
-          <a:bodyPr/>
-          <a:lstStyle/>
-          <a:p>
-            <a:r>
-              <a:rPr lang="en-US" dirty="0"/>
-              <a:t>We want to comment as much as is reasonable. </a:t>
-            </a:r>
-          </a:p>
-          <a:p>
-            <a:r>
-              <a:rPr lang="en-US" dirty="0"/>
-              <a:t>In larger projects, commenting will be standardized. </a:t>
-            </a:r>
-          </a:p>
-          <a:p>
-            <a:pPr lvl="1"/>
-            <a:r>
-              <a:rPr lang="en-US" dirty="0"/>
-              <a:t>Everyone structures comments similarly. </a:t>
-            </a:r>
-          </a:p>
-          <a:p>
-            <a:pPr lvl="1"/>
-            <a:r>
-              <a:rPr lang="en-US" dirty="0"/>
-              <a:t>May be wrapped into automated documentation. </a:t>
-            </a:r>
-          </a:p>
-          <a:p>
-            <a:r>
-              <a:rPr lang="en-US" dirty="0"/>
-              <a:t>Nothing will fail if we comment poorly, it just may be hard to understand later or for others. </a:t>
-            </a:r>
-          </a:p>
-        </p:txBody>
-      </p:sp>
-    </p:spTree>
-    <p:extLst>
-      <p:ext uri="{BB962C8B-B14F-4D97-AF65-F5344CB8AC3E}">
-        <p14:creationId xmlns:p14="http://schemas.microsoft.com/office/powerpoint/2010/main" val="1265242999"/>
-      </p:ext>
-    </p:extLst>
-  </p:cSld>
-  <p:clrMapOvr>
-    <a:masterClrMapping/>
-  </p:clrMapOvr>
-</p:sld>
-</file>
-
 <file path=ppt/slides/slide9.xml><?xml version="1.0" encoding="utf-8"?>
 <p:sld xmlns:a="http://schemas.openxmlformats.org/drawingml/2006/main" xmlns:r="http://schemas.openxmlformats.org/officeDocument/2006/relationships" xmlns:p="http://schemas.openxmlformats.org/presentationml/2006/main">
   <p:cSld>
@@ -5705,7 +5901,7 @@
           <p:cNvPr id="2" name="Title 1">
             <a:extLst>
               <a:ext uri="{FF2B5EF4-FFF2-40B4-BE49-F238E27FC236}">
-                <a16:creationId xmlns:a16="http://schemas.microsoft.com/office/drawing/2014/main" id="{AF1EE32F-D369-384B-39ED-0A15BD89C48D}"/>
+                <a16:creationId xmlns:a16="http://schemas.microsoft.com/office/drawing/2014/main" id="{D6B47075-665B-2C96-C01F-647DF795D214}"/>
               </a:ext>
             </a:extLst>
           </p:cNvPr>
@@ -5723,7 +5919,7 @@
           <a:p>
             <a:r>
               <a:rPr lang="en-US" dirty="0"/>
-              <a:t>Enumeration</a:t>
+              <a:t>Commenting</a:t>
             </a:r>
           </a:p>
         </p:txBody>
@@ -5733,7 +5929,7 @@
           <p:cNvPr id="3" name="Content Placeholder 2">
             <a:extLst>
               <a:ext uri="{FF2B5EF4-FFF2-40B4-BE49-F238E27FC236}">
-                <a16:creationId xmlns:a16="http://schemas.microsoft.com/office/drawing/2014/main" id="{2E66AF4B-5D66-8855-367B-4389F4AF47BB}"/>
+                <a16:creationId xmlns:a16="http://schemas.microsoft.com/office/drawing/2014/main" id="{0FF908EF-DE8C-6ECD-5863-8C4D54A985A6}"/>
               </a:ext>
             </a:extLst>
           </p:cNvPr>
@@ -5747,7 +5943,7 @@
         <p:spPr>
           <a:xfrm>
             <a:off x="1451579" y="2015732"/>
-            <a:ext cx="9603275" cy="4037749"/>
+            <a:ext cx="9603275" cy="3868233"/>
           </a:xfrm>
         </p:spPr>
         <p:txBody>
@@ -5756,80 +5952,41 @@
           <a:p>
             <a:r>
               <a:rPr lang="en-US" dirty="0"/>
-              <a:t>Enumeration is another way to loop through stuff. </a:t>
-            </a:r>
-          </a:p>
-          <a:p>
-            <a:r>
-              <a:rPr lang="en-US" dirty="0"/>
-              <a:t>Enumeration is a function that takes in an </a:t>
-            </a:r>
-            <a:r>
-              <a:rPr lang="en-US" dirty="0" err="1"/>
-              <a:t>iterable</a:t>
-            </a:r>
-            <a:r>
-              <a:rPr lang="en-US" dirty="0"/>
-              <a:t> data structure and returns a tuple:</a:t>
+              <a:t>We want to comment as much as is reasonable. </a:t>
+            </a:r>
+          </a:p>
+          <a:p>
+            <a:r>
+              <a:rPr lang="en-US" dirty="0"/>
+              <a:t>In larger projects, commenting will be standardized. </a:t>
             </a:r>
           </a:p>
           <a:p>
             <a:pPr lvl="1"/>
             <a:r>
               <a:rPr lang="en-US" dirty="0"/>
-              <a:t>Index. </a:t>
+              <a:t>Everyone structures comments similarly. </a:t>
             </a:r>
           </a:p>
           <a:p>
             <a:pPr lvl="1"/>
             <a:r>
               <a:rPr lang="en-US" dirty="0"/>
-              <a:t>Item. </a:t>
-            </a:r>
-          </a:p>
-          <a:p>
-            <a:r>
-              <a:rPr lang="en-US" dirty="0"/>
-              <a:t>Allows us to loop through things like a for loop and keep the index. </a:t>
-            </a:r>
-          </a:p>
-          <a:p>
-            <a:r>
-              <a:rPr lang="en-US" dirty="0"/>
-              <a:t>Looping through any data structure is the same, as long as we can enumerate it. </a:t>
-            </a:r>
-          </a:p>
-          <a:p>
-            <a:pPr lvl="1"/>
-            <a:r>
-              <a:rPr lang="en-US" dirty="0"/>
-              <a:t>Helps interchangeability. </a:t>
-            </a:r>
-          </a:p>
-          <a:p>
-            <a:r>
-              <a:rPr lang="en-US" dirty="0"/>
-              <a:t>Used in data science with larger datasets. </a:t>
-            </a:r>
-          </a:p>
-          <a:p>
-            <a:pPr lvl="1"/>
-            <a:r>
-              <a:rPr lang="en-US" dirty="0"/>
-              <a:t>E.g. data that is images in folders, we don’t have a table but need to </a:t>
-            </a:r>
-            <a:r>
-              <a:rPr lang="en-US"/>
-              <a:t>keep index. </a:t>
-            </a:r>
-            <a:endParaRPr lang="en-US" dirty="0"/>
+              <a:t>May be wrapped into automated documentation. </a:t>
+            </a:r>
+          </a:p>
+          <a:p>
+            <a:r>
+              <a:rPr lang="en-US" dirty="0"/>
+              <a:t>Nothing will fail if we comment poorly, it just may be hard to understand later or for others. </a:t>
+            </a:r>
           </a:p>
         </p:txBody>
       </p:sp>
     </p:spTree>
     <p:extLst>
       <p:ext uri="{BB962C8B-B14F-4D97-AF65-F5344CB8AC3E}">
-        <p14:creationId xmlns:p14="http://schemas.microsoft.com/office/powerpoint/2010/main" val="1256764443"/>
+        <p14:creationId xmlns:p14="http://schemas.microsoft.com/office/powerpoint/2010/main" val="1265242999"/>
       </p:ext>
     </p:extLst>
   </p:cSld>
